--- a/RANDOM/Presentation1.pptx
+++ b/RANDOM/Presentation1.pptx
@@ -241,9 +241,9 @@
           <a:bodyPr/>
           <a:lstStyle/>
           <a:p>
-            <a:fld id="{1F62C571-390B-45A7-BFEF-5A4B554ABA60}" type="datetimeFigureOut">
+            <a:fld id="{0A8C4789-FCE2-4665-BCBC-78750E1FFE25}" type="datetimeFigureOut">
               <a:rPr lang="en-GB" smtClean="0"/>
-              <a:t>28/07/2015</a:t>
+              <a:t>19/01/2016</a:t>
             </a:fld>
             <a:endParaRPr lang="en-GB"/>
           </a:p>
@@ -283,7 +283,7 @@
           <a:bodyPr/>
           <a:lstStyle/>
           <a:p>
-            <a:fld id="{76183834-6DD7-42C7-A34C-894E1E9D3041}" type="slidenum">
+            <a:fld id="{45F319B5-3368-442C-8F95-629B0A71BF4B}" type="slidenum">
               <a:rPr lang="en-GB" smtClean="0"/>
               <a:t>‹#›</a:t>
             </a:fld>
@@ -294,7 +294,7 @@
     </p:spTree>
     <p:extLst>
       <p:ext uri="{BB962C8B-B14F-4D97-AF65-F5344CB8AC3E}">
-        <p14:creationId xmlns:p14="http://schemas.microsoft.com/office/powerpoint/2010/main" val="2809764400"/>
+        <p14:creationId xmlns:p14="http://schemas.microsoft.com/office/powerpoint/2010/main" val="805429596"/>
       </p:ext>
     </p:extLst>
   </p:cSld>
@@ -411,9 +411,9 @@
           <a:bodyPr/>
           <a:lstStyle/>
           <a:p>
-            <a:fld id="{1F62C571-390B-45A7-BFEF-5A4B554ABA60}" type="datetimeFigureOut">
+            <a:fld id="{0A8C4789-FCE2-4665-BCBC-78750E1FFE25}" type="datetimeFigureOut">
               <a:rPr lang="en-GB" smtClean="0"/>
-              <a:t>28/07/2015</a:t>
+              <a:t>19/01/2016</a:t>
             </a:fld>
             <a:endParaRPr lang="en-GB"/>
           </a:p>
@@ -453,7 +453,7 @@
           <a:bodyPr/>
           <a:lstStyle/>
           <a:p>
-            <a:fld id="{76183834-6DD7-42C7-A34C-894E1E9D3041}" type="slidenum">
+            <a:fld id="{45F319B5-3368-442C-8F95-629B0A71BF4B}" type="slidenum">
               <a:rPr lang="en-GB" smtClean="0"/>
               <a:t>‹#›</a:t>
             </a:fld>
@@ -464,7 +464,7 @@
     </p:spTree>
     <p:extLst>
       <p:ext uri="{BB962C8B-B14F-4D97-AF65-F5344CB8AC3E}">
-        <p14:creationId xmlns:p14="http://schemas.microsoft.com/office/powerpoint/2010/main" val="3092613373"/>
+        <p14:creationId xmlns:p14="http://schemas.microsoft.com/office/powerpoint/2010/main" val="4123702010"/>
       </p:ext>
     </p:extLst>
   </p:cSld>
@@ -591,9 +591,9 @@
           <a:bodyPr/>
           <a:lstStyle/>
           <a:p>
-            <a:fld id="{1F62C571-390B-45A7-BFEF-5A4B554ABA60}" type="datetimeFigureOut">
+            <a:fld id="{0A8C4789-FCE2-4665-BCBC-78750E1FFE25}" type="datetimeFigureOut">
               <a:rPr lang="en-GB" smtClean="0"/>
-              <a:t>28/07/2015</a:t>
+              <a:t>19/01/2016</a:t>
             </a:fld>
             <a:endParaRPr lang="en-GB"/>
           </a:p>
@@ -633,7 +633,7 @@
           <a:bodyPr/>
           <a:lstStyle/>
           <a:p>
-            <a:fld id="{76183834-6DD7-42C7-A34C-894E1E9D3041}" type="slidenum">
+            <a:fld id="{45F319B5-3368-442C-8F95-629B0A71BF4B}" type="slidenum">
               <a:rPr lang="en-GB" smtClean="0"/>
               <a:t>‹#›</a:t>
             </a:fld>
@@ -644,7 +644,7 @@
     </p:spTree>
     <p:extLst>
       <p:ext uri="{BB962C8B-B14F-4D97-AF65-F5344CB8AC3E}">
-        <p14:creationId xmlns:p14="http://schemas.microsoft.com/office/powerpoint/2010/main" val="1029624046"/>
+        <p14:creationId xmlns:p14="http://schemas.microsoft.com/office/powerpoint/2010/main" val="362859648"/>
       </p:ext>
     </p:extLst>
   </p:cSld>
@@ -761,9 +761,9 @@
           <a:bodyPr/>
           <a:lstStyle/>
           <a:p>
-            <a:fld id="{1F62C571-390B-45A7-BFEF-5A4B554ABA60}" type="datetimeFigureOut">
+            <a:fld id="{0A8C4789-FCE2-4665-BCBC-78750E1FFE25}" type="datetimeFigureOut">
               <a:rPr lang="en-GB" smtClean="0"/>
-              <a:t>28/07/2015</a:t>
+              <a:t>19/01/2016</a:t>
             </a:fld>
             <a:endParaRPr lang="en-GB"/>
           </a:p>
@@ -803,7 +803,7 @@
           <a:bodyPr/>
           <a:lstStyle/>
           <a:p>
-            <a:fld id="{76183834-6DD7-42C7-A34C-894E1E9D3041}" type="slidenum">
+            <a:fld id="{45F319B5-3368-442C-8F95-629B0A71BF4B}" type="slidenum">
               <a:rPr lang="en-GB" smtClean="0"/>
               <a:t>‹#›</a:t>
             </a:fld>
@@ -814,7 +814,7 @@
     </p:spTree>
     <p:extLst>
       <p:ext uri="{BB962C8B-B14F-4D97-AF65-F5344CB8AC3E}">
-        <p14:creationId xmlns:p14="http://schemas.microsoft.com/office/powerpoint/2010/main" val="2565284867"/>
+        <p14:creationId xmlns:p14="http://schemas.microsoft.com/office/powerpoint/2010/main" val="271037858"/>
       </p:ext>
     </p:extLst>
   </p:cSld>
@@ -1007,9 +1007,9 @@
           <a:bodyPr/>
           <a:lstStyle/>
           <a:p>
-            <a:fld id="{1F62C571-390B-45A7-BFEF-5A4B554ABA60}" type="datetimeFigureOut">
+            <a:fld id="{0A8C4789-FCE2-4665-BCBC-78750E1FFE25}" type="datetimeFigureOut">
               <a:rPr lang="en-GB" smtClean="0"/>
-              <a:t>28/07/2015</a:t>
+              <a:t>19/01/2016</a:t>
             </a:fld>
             <a:endParaRPr lang="en-GB"/>
           </a:p>
@@ -1049,7 +1049,7 @@
           <a:bodyPr/>
           <a:lstStyle/>
           <a:p>
-            <a:fld id="{76183834-6DD7-42C7-A34C-894E1E9D3041}" type="slidenum">
+            <a:fld id="{45F319B5-3368-442C-8F95-629B0A71BF4B}" type="slidenum">
               <a:rPr lang="en-GB" smtClean="0"/>
               <a:t>‹#›</a:t>
             </a:fld>
@@ -1060,7 +1060,7 @@
     </p:spTree>
     <p:extLst>
       <p:ext uri="{BB962C8B-B14F-4D97-AF65-F5344CB8AC3E}">
-        <p14:creationId xmlns:p14="http://schemas.microsoft.com/office/powerpoint/2010/main" val="2295593793"/>
+        <p14:creationId xmlns:p14="http://schemas.microsoft.com/office/powerpoint/2010/main" val="3266754443"/>
       </p:ext>
     </p:extLst>
   </p:cSld>
@@ -1239,9 +1239,9 @@
           <a:bodyPr/>
           <a:lstStyle/>
           <a:p>
-            <a:fld id="{1F62C571-390B-45A7-BFEF-5A4B554ABA60}" type="datetimeFigureOut">
+            <a:fld id="{0A8C4789-FCE2-4665-BCBC-78750E1FFE25}" type="datetimeFigureOut">
               <a:rPr lang="en-GB" smtClean="0"/>
-              <a:t>28/07/2015</a:t>
+              <a:t>19/01/2016</a:t>
             </a:fld>
             <a:endParaRPr lang="en-GB"/>
           </a:p>
@@ -1281,7 +1281,7 @@
           <a:bodyPr/>
           <a:lstStyle/>
           <a:p>
-            <a:fld id="{76183834-6DD7-42C7-A34C-894E1E9D3041}" type="slidenum">
+            <a:fld id="{45F319B5-3368-442C-8F95-629B0A71BF4B}" type="slidenum">
               <a:rPr lang="en-GB" smtClean="0"/>
               <a:t>‹#›</a:t>
             </a:fld>
@@ -1292,7 +1292,7 @@
     </p:spTree>
     <p:extLst>
       <p:ext uri="{BB962C8B-B14F-4D97-AF65-F5344CB8AC3E}">
-        <p14:creationId xmlns:p14="http://schemas.microsoft.com/office/powerpoint/2010/main" val="2810137661"/>
+        <p14:creationId xmlns:p14="http://schemas.microsoft.com/office/powerpoint/2010/main" val="3733094286"/>
       </p:ext>
     </p:extLst>
   </p:cSld>
@@ -1606,9 +1606,9 @@
           <a:bodyPr/>
           <a:lstStyle/>
           <a:p>
-            <a:fld id="{1F62C571-390B-45A7-BFEF-5A4B554ABA60}" type="datetimeFigureOut">
+            <a:fld id="{0A8C4789-FCE2-4665-BCBC-78750E1FFE25}" type="datetimeFigureOut">
               <a:rPr lang="en-GB" smtClean="0"/>
-              <a:t>28/07/2015</a:t>
+              <a:t>19/01/2016</a:t>
             </a:fld>
             <a:endParaRPr lang="en-GB"/>
           </a:p>
@@ -1648,7 +1648,7 @@
           <a:bodyPr/>
           <a:lstStyle/>
           <a:p>
-            <a:fld id="{76183834-6DD7-42C7-A34C-894E1E9D3041}" type="slidenum">
+            <a:fld id="{45F319B5-3368-442C-8F95-629B0A71BF4B}" type="slidenum">
               <a:rPr lang="en-GB" smtClean="0"/>
               <a:t>‹#›</a:t>
             </a:fld>
@@ -1659,7 +1659,7 @@
     </p:spTree>
     <p:extLst>
       <p:ext uri="{BB962C8B-B14F-4D97-AF65-F5344CB8AC3E}">
-        <p14:creationId xmlns:p14="http://schemas.microsoft.com/office/powerpoint/2010/main" val="1112523522"/>
+        <p14:creationId xmlns:p14="http://schemas.microsoft.com/office/powerpoint/2010/main" val="3289209389"/>
       </p:ext>
     </p:extLst>
   </p:cSld>
@@ -1724,9 +1724,9 @@
           <a:bodyPr/>
           <a:lstStyle/>
           <a:p>
-            <a:fld id="{1F62C571-390B-45A7-BFEF-5A4B554ABA60}" type="datetimeFigureOut">
+            <a:fld id="{0A8C4789-FCE2-4665-BCBC-78750E1FFE25}" type="datetimeFigureOut">
               <a:rPr lang="en-GB" smtClean="0"/>
-              <a:t>28/07/2015</a:t>
+              <a:t>19/01/2016</a:t>
             </a:fld>
             <a:endParaRPr lang="en-GB"/>
           </a:p>
@@ -1766,7 +1766,7 @@
           <a:bodyPr/>
           <a:lstStyle/>
           <a:p>
-            <a:fld id="{76183834-6DD7-42C7-A34C-894E1E9D3041}" type="slidenum">
+            <a:fld id="{45F319B5-3368-442C-8F95-629B0A71BF4B}" type="slidenum">
               <a:rPr lang="en-GB" smtClean="0"/>
               <a:t>‹#›</a:t>
             </a:fld>
@@ -1777,7 +1777,7 @@
     </p:spTree>
     <p:extLst>
       <p:ext uri="{BB962C8B-B14F-4D97-AF65-F5344CB8AC3E}">
-        <p14:creationId xmlns:p14="http://schemas.microsoft.com/office/powerpoint/2010/main" val="708855155"/>
+        <p14:creationId xmlns:p14="http://schemas.microsoft.com/office/powerpoint/2010/main" val="1148499534"/>
       </p:ext>
     </p:extLst>
   </p:cSld>
@@ -1819,9 +1819,9 @@
           <a:bodyPr/>
           <a:lstStyle/>
           <a:p>
-            <a:fld id="{1F62C571-390B-45A7-BFEF-5A4B554ABA60}" type="datetimeFigureOut">
+            <a:fld id="{0A8C4789-FCE2-4665-BCBC-78750E1FFE25}" type="datetimeFigureOut">
               <a:rPr lang="en-GB" smtClean="0"/>
-              <a:t>28/07/2015</a:t>
+              <a:t>19/01/2016</a:t>
             </a:fld>
             <a:endParaRPr lang="en-GB"/>
           </a:p>
@@ -1861,7 +1861,7 @@
           <a:bodyPr/>
           <a:lstStyle/>
           <a:p>
-            <a:fld id="{76183834-6DD7-42C7-A34C-894E1E9D3041}" type="slidenum">
+            <a:fld id="{45F319B5-3368-442C-8F95-629B0A71BF4B}" type="slidenum">
               <a:rPr lang="en-GB" smtClean="0"/>
               <a:t>‹#›</a:t>
             </a:fld>
@@ -1872,7 +1872,7 @@
     </p:spTree>
     <p:extLst>
       <p:ext uri="{BB962C8B-B14F-4D97-AF65-F5344CB8AC3E}">
-        <p14:creationId xmlns:p14="http://schemas.microsoft.com/office/powerpoint/2010/main" val="1153829458"/>
+        <p14:creationId xmlns:p14="http://schemas.microsoft.com/office/powerpoint/2010/main" val="2758221873"/>
       </p:ext>
     </p:extLst>
   </p:cSld>
@@ -2096,9 +2096,9 @@
           <a:bodyPr/>
           <a:lstStyle/>
           <a:p>
-            <a:fld id="{1F62C571-390B-45A7-BFEF-5A4B554ABA60}" type="datetimeFigureOut">
+            <a:fld id="{0A8C4789-FCE2-4665-BCBC-78750E1FFE25}" type="datetimeFigureOut">
               <a:rPr lang="en-GB" smtClean="0"/>
-              <a:t>28/07/2015</a:t>
+              <a:t>19/01/2016</a:t>
             </a:fld>
             <a:endParaRPr lang="en-GB"/>
           </a:p>
@@ -2138,7 +2138,7 @@
           <a:bodyPr/>
           <a:lstStyle/>
           <a:p>
-            <a:fld id="{76183834-6DD7-42C7-A34C-894E1E9D3041}" type="slidenum">
+            <a:fld id="{45F319B5-3368-442C-8F95-629B0A71BF4B}" type="slidenum">
               <a:rPr lang="en-GB" smtClean="0"/>
               <a:t>‹#›</a:t>
             </a:fld>
@@ -2149,7 +2149,7 @@
     </p:spTree>
     <p:extLst>
       <p:ext uri="{BB962C8B-B14F-4D97-AF65-F5344CB8AC3E}">
-        <p14:creationId xmlns:p14="http://schemas.microsoft.com/office/powerpoint/2010/main" val="4261553994"/>
+        <p14:creationId xmlns:p14="http://schemas.microsoft.com/office/powerpoint/2010/main" val="2341923714"/>
       </p:ext>
     </p:extLst>
   </p:cSld>
@@ -2349,9 +2349,9 @@
           <a:bodyPr/>
           <a:lstStyle/>
           <a:p>
-            <a:fld id="{1F62C571-390B-45A7-BFEF-5A4B554ABA60}" type="datetimeFigureOut">
+            <a:fld id="{0A8C4789-FCE2-4665-BCBC-78750E1FFE25}" type="datetimeFigureOut">
               <a:rPr lang="en-GB" smtClean="0"/>
-              <a:t>28/07/2015</a:t>
+              <a:t>19/01/2016</a:t>
             </a:fld>
             <a:endParaRPr lang="en-GB"/>
           </a:p>
@@ -2391,7 +2391,7 @@
           <a:bodyPr/>
           <a:lstStyle/>
           <a:p>
-            <a:fld id="{76183834-6DD7-42C7-A34C-894E1E9D3041}" type="slidenum">
+            <a:fld id="{45F319B5-3368-442C-8F95-629B0A71BF4B}" type="slidenum">
               <a:rPr lang="en-GB" smtClean="0"/>
               <a:t>‹#›</a:t>
             </a:fld>
@@ -2402,7 +2402,7 @@
     </p:spTree>
     <p:extLst>
       <p:ext uri="{BB962C8B-B14F-4D97-AF65-F5344CB8AC3E}">
-        <p14:creationId xmlns:p14="http://schemas.microsoft.com/office/powerpoint/2010/main" val="1192433610"/>
+        <p14:creationId xmlns:p14="http://schemas.microsoft.com/office/powerpoint/2010/main" val="1811117250"/>
       </p:ext>
     </p:extLst>
   </p:cSld>
@@ -2562,9 +2562,9 @@
             </a:lvl1pPr>
           </a:lstStyle>
           <a:p>
-            <a:fld id="{1F62C571-390B-45A7-BFEF-5A4B554ABA60}" type="datetimeFigureOut">
+            <a:fld id="{0A8C4789-FCE2-4665-BCBC-78750E1FFE25}" type="datetimeFigureOut">
               <a:rPr lang="en-GB" smtClean="0"/>
-              <a:t>28/07/2015</a:t>
+              <a:t>19/01/2016</a:t>
             </a:fld>
             <a:endParaRPr lang="en-GB"/>
           </a:p>
@@ -2640,7 +2640,7 @@
             </a:lvl1pPr>
           </a:lstStyle>
           <a:p>
-            <a:fld id="{76183834-6DD7-42C7-A34C-894E1E9D3041}" type="slidenum">
+            <a:fld id="{45F319B5-3368-442C-8F95-629B0A71BF4B}" type="slidenum">
               <a:rPr lang="en-GB" smtClean="0"/>
               <a:t>‹#›</a:t>
             </a:fld>
@@ -2651,7 +2651,7 @@
     </p:spTree>
     <p:extLst>
       <p:ext uri="{BB962C8B-B14F-4D97-AF65-F5344CB8AC3E}">
-        <p14:creationId xmlns:p14="http://schemas.microsoft.com/office/powerpoint/2010/main" val="3413439005"/>
+        <p14:creationId xmlns:p14="http://schemas.microsoft.com/office/powerpoint/2010/main" val="3141497311"/>
       </p:ext>
     </p:extLst>
   </p:cSld>
@@ -2977,199 +2977,12 @@
         </p:nvSpPr>
         <p:spPr>
           <a:xfrm>
-            <a:off x="359334" y="998164"/>
-            <a:ext cx="793699" cy="446227"/>
+            <a:off x="4768643" y="2569753"/>
+            <a:ext cx="2551471" cy="1755058"/>
           </a:xfrm>
           <a:prstGeom prst="rect">
             <a:avLst/>
           </a:prstGeom>
-        </p:spPr>
-        <p:style>
-          <a:lnRef idx="2">
-            <a:schemeClr val="accent4">
-              <a:shade val="50000"/>
-            </a:schemeClr>
-          </a:lnRef>
-          <a:fillRef idx="1">
-            <a:schemeClr val="accent4"/>
-          </a:fillRef>
-          <a:effectRef idx="0">
-            <a:schemeClr val="accent4"/>
-          </a:effectRef>
-          <a:fontRef idx="minor">
-            <a:schemeClr val="lt1"/>
-          </a:fontRef>
-        </p:style>
-        <p:txBody>
-          <a:bodyPr rtlCol="0" anchor="ctr"/>
-          <a:lstStyle/>
-          <a:p>
-            <a:pPr algn="ctr"/>
-            <a:r>
-              <a:rPr lang="en-GB" sz="1200" dirty="0" smtClean="0"/>
-              <a:t>ESCs and Motors</a:t>
-            </a:r>
-            <a:endParaRPr lang="en-GB" sz="1200" dirty="0"/>
-          </a:p>
-        </p:txBody>
-      </p:sp>
-      <p:sp>
-        <p:nvSpPr>
-          <p:cNvPr id="6" name="Rectangle 5"/>
-          <p:cNvSpPr/>
-          <p:nvPr/>
-        </p:nvSpPr>
-        <p:spPr>
-          <a:xfrm>
-            <a:off x="289616" y="1828800"/>
-            <a:ext cx="946654" cy="885905"/>
-          </a:xfrm>
-          <a:prstGeom prst="rect">
-            <a:avLst/>
-          </a:prstGeom>
-        </p:spPr>
-        <p:style>
-          <a:lnRef idx="2">
-            <a:schemeClr val="accent2">
-              <a:shade val="50000"/>
-            </a:schemeClr>
-          </a:lnRef>
-          <a:fillRef idx="1">
-            <a:schemeClr val="accent2"/>
-          </a:fillRef>
-          <a:effectRef idx="0">
-            <a:schemeClr val="accent2"/>
-          </a:effectRef>
-          <a:fontRef idx="minor">
-            <a:schemeClr val="lt1"/>
-          </a:fontRef>
-        </p:style>
-        <p:txBody>
-          <a:bodyPr rtlCol="0" anchor="ctr"/>
-          <a:lstStyle/>
-          <a:p>
-            <a:pPr algn="ctr"/>
-            <a:r>
-              <a:rPr lang="en-GB" sz="1200" dirty="0" smtClean="0"/>
-              <a:t>Flight Controller Board (</a:t>
-            </a:r>
-            <a:r>
-              <a:rPr lang="en-GB" sz="1200" dirty="0" err="1" smtClean="0"/>
-              <a:t>OpenPilot</a:t>
-            </a:r>
-            <a:r>
-              <a:rPr lang="en-GB" sz="1200" dirty="0" smtClean="0"/>
-              <a:t> CC3D)</a:t>
-            </a:r>
-            <a:endParaRPr lang="en-GB" sz="1200" dirty="0"/>
-          </a:p>
-        </p:txBody>
-      </p:sp>
-      <p:sp>
-        <p:nvSpPr>
-          <p:cNvPr id="7" name="Rectangle 6"/>
-          <p:cNvSpPr/>
-          <p:nvPr/>
-        </p:nvSpPr>
-        <p:spPr>
-          <a:xfrm>
-            <a:off x="389379" y="3072857"/>
-            <a:ext cx="950976" cy="406537"/>
-          </a:xfrm>
-          <a:prstGeom prst="rect">
-            <a:avLst/>
-          </a:prstGeom>
-        </p:spPr>
-        <p:style>
-          <a:lnRef idx="2">
-            <a:schemeClr val="accent6">
-              <a:shade val="50000"/>
-            </a:schemeClr>
-          </a:lnRef>
-          <a:fillRef idx="1">
-            <a:schemeClr val="accent6"/>
-          </a:fillRef>
-          <a:effectRef idx="0">
-            <a:schemeClr val="accent6"/>
-          </a:effectRef>
-          <a:fontRef idx="minor">
-            <a:schemeClr val="lt1"/>
-          </a:fontRef>
-        </p:style>
-        <p:txBody>
-          <a:bodyPr rtlCol="0" anchor="ctr"/>
-          <a:lstStyle/>
-          <a:p>
-            <a:pPr algn="ctr"/>
-            <a:r>
-              <a:rPr lang="en-GB" sz="1200" dirty="0" smtClean="0"/>
-              <a:t>RF Transmitter</a:t>
-            </a:r>
-            <a:endParaRPr lang="en-GB" sz="1200" dirty="0" smtClean="0"/>
-          </a:p>
-        </p:txBody>
-      </p:sp>
-      <p:sp>
-        <p:nvSpPr>
-          <p:cNvPr id="8" name="Rectangle 7"/>
-          <p:cNvSpPr/>
-          <p:nvPr/>
-        </p:nvSpPr>
-        <p:spPr>
-          <a:xfrm>
-            <a:off x="1539772" y="1865044"/>
-            <a:ext cx="657384" cy="464059"/>
-          </a:xfrm>
-          <a:prstGeom prst="rect">
-            <a:avLst/>
-          </a:prstGeom>
-        </p:spPr>
-        <p:style>
-          <a:lnRef idx="2">
-            <a:schemeClr val="accent2">
-              <a:shade val="50000"/>
-            </a:schemeClr>
-          </a:lnRef>
-          <a:fillRef idx="1">
-            <a:schemeClr val="accent2"/>
-          </a:fillRef>
-          <a:effectRef idx="0">
-            <a:schemeClr val="accent2"/>
-          </a:effectRef>
-          <a:fontRef idx="minor">
-            <a:schemeClr val="lt1"/>
-          </a:fontRef>
-        </p:style>
-        <p:txBody>
-          <a:bodyPr rtlCol="0" anchor="ctr"/>
-          <a:lstStyle/>
-          <a:p>
-            <a:pPr algn="ctr"/>
-            <a:r>
-              <a:rPr lang="en-GB" sz="1200" dirty="0" smtClean="0"/>
-              <a:t>Intel Edison</a:t>
-            </a:r>
-            <a:endParaRPr lang="en-GB" sz="1200" dirty="0"/>
-          </a:p>
-        </p:txBody>
-      </p:sp>
-      <p:sp>
-        <p:nvSpPr>
-          <p:cNvPr id="9" name="Rectangle 8"/>
-          <p:cNvSpPr/>
-          <p:nvPr/>
-        </p:nvSpPr>
-        <p:spPr>
-          <a:xfrm>
-            <a:off x="1495883" y="1041330"/>
-            <a:ext cx="701273" cy="332011"/>
-          </a:xfrm>
-          <a:prstGeom prst="rect">
-            <a:avLst/>
-          </a:prstGeom>
-          <a:solidFill>
-            <a:srgbClr val="7030A0"/>
-          </a:solidFill>
         </p:spPr>
         <p:style>
           <a:lnRef idx="2">
@@ -3193,74 +3006,27 @@
           <a:p>
             <a:pPr algn="ctr"/>
             <a:r>
-              <a:rPr lang="en-GB" sz="1200" dirty="0" smtClean="0"/>
-              <a:t>Camera</a:t>
-            </a:r>
-            <a:endParaRPr lang="en-GB" sz="1200" dirty="0"/>
-          </a:p>
-        </p:txBody>
-      </p:sp>
-      <p:sp>
-        <p:nvSpPr>
-          <p:cNvPr id="10" name="Rectangle 9"/>
+              <a:rPr lang="en-GB" dirty="0" smtClean="0"/>
+              <a:t>Battery</a:t>
+            </a:r>
+            <a:endParaRPr lang="en-GB" dirty="0"/>
+          </a:p>
+        </p:txBody>
+      </p:sp>
+      <p:sp>
+        <p:nvSpPr>
+          <p:cNvPr id="5" name="Rectangle 4"/>
           <p:cNvSpPr/>
           <p:nvPr/>
         </p:nvSpPr>
         <p:spPr>
           <a:xfrm>
-            <a:off x="1495883" y="2820806"/>
-            <a:ext cx="1030728" cy="502764"/>
+            <a:off x="4768643" y="698090"/>
+            <a:ext cx="2551471" cy="1091382"/>
           </a:xfrm>
           <a:prstGeom prst="rect">
             <a:avLst/>
           </a:prstGeom>
-        </p:spPr>
-        <p:style>
-          <a:lnRef idx="2">
-            <a:schemeClr val="accent6">
-              <a:shade val="50000"/>
-            </a:schemeClr>
-          </a:lnRef>
-          <a:fillRef idx="1">
-            <a:schemeClr val="accent6"/>
-          </a:fillRef>
-          <a:effectRef idx="0">
-            <a:schemeClr val="accent6"/>
-          </a:effectRef>
-          <a:fontRef idx="minor">
-            <a:schemeClr val="lt1"/>
-          </a:fontRef>
-        </p:style>
-        <p:txBody>
-          <a:bodyPr rtlCol="0" anchor="ctr"/>
-          <a:lstStyle/>
-          <a:p>
-            <a:pPr algn="ctr"/>
-            <a:r>
-              <a:rPr lang="en-GB" sz="1200" dirty="0" smtClean="0"/>
-              <a:t>Wi-Fi Transmission</a:t>
-            </a:r>
-            <a:endParaRPr lang="en-GB" sz="1200" dirty="0"/>
-          </a:p>
-        </p:txBody>
-      </p:sp>
-      <p:sp>
-        <p:nvSpPr>
-          <p:cNvPr id="11" name="Rectangle 10"/>
-          <p:cNvSpPr/>
-          <p:nvPr/>
-        </p:nvSpPr>
-        <p:spPr>
-          <a:xfrm>
-            <a:off x="4260113" y="1431442"/>
-            <a:ext cx="743714" cy="420081"/>
-          </a:xfrm>
-          <a:prstGeom prst="rect">
-            <a:avLst/>
-          </a:prstGeom>
-          <a:solidFill>
-            <a:srgbClr val="7030A0"/>
-          </a:solidFill>
         </p:spPr>
         <p:style>
           <a:lnRef idx="2">
@@ -3284,29 +3050,29 @@
           <a:p>
             <a:pPr algn="ctr"/>
             <a:r>
-              <a:rPr lang="en-GB" sz="1200" dirty="0" smtClean="0"/>
-              <a:t>Pressure Sensor</a:t>
-            </a:r>
-            <a:endParaRPr lang="en-GB" sz="1200" dirty="0"/>
-          </a:p>
-        </p:txBody>
-      </p:sp>
-      <p:sp>
-        <p:nvSpPr>
-          <p:cNvPr id="12" name="Rectangle 11"/>
+              <a:rPr lang="en-GB" dirty="0" smtClean="0"/>
+              <a:t>Power Distribution Board</a:t>
+            </a:r>
+            <a:endParaRPr lang="en-GB" dirty="0"/>
+          </a:p>
+        </p:txBody>
+      </p:sp>
+      <p:sp>
+        <p:nvSpPr>
+          <p:cNvPr id="6" name="Rectangle 5"/>
           <p:cNvSpPr/>
           <p:nvPr/>
         </p:nvSpPr>
         <p:spPr>
           <a:xfrm>
-            <a:off x="3572687" y="1022639"/>
-            <a:ext cx="1002183" cy="346473"/>
+            <a:off x="8146024" y="774905"/>
+            <a:ext cx="1467464" cy="937752"/>
           </a:xfrm>
           <a:prstGeom prst="rect">
             <a:avLst/>
           </a:prstGeom>
           <a:solidFill>
-            <a:srgbClr val="7030A0"/>
+            <a:schemeClr val="accent6"/>
           </a:solidFill>
         </p:spPr>
         <p:style>
@@ -3331,29 +3097,29 @@
           <a:p>
             <a:pPr algn="ctr"/>
             <a:r>
-              <a:rPr lang="en-GB" sz="1200" dirty="0" smtClean="0"/>
-              <a:t>Temperature Sensor</a:t>
-            </a:r>
-            <a:endParaRPr lang="en-GB" sz="1200" dirty="0"/>
-          </a:p>
-        </p:txBody>
-      </p:sp>
-      <p:sp>
-        <p:nvSpPr>
-          <p:cNvPr id="13" name="Rectangle 12"/>
+              <a:rPr lang="en-GB" dirty="0" smtClean="0"/>
+              <a:t>Main PCB</a:t>
+            </a:r>
+            <a:endParaRPr lang="en-GB" dirty="0"/>
+          </a:p>
+        </p:txBody>
+      </p:sp>
+      <p:sp>
+        <p:nvSpPr>
+          <p:cNvPr id="7" name="Rectangle 6"/>
           <p:cNvSpPr/>
           <p:nvPr/>
         </p:nvSpPr>
         <p:spPr>
           <a:xfrm>
-            <a:off x="4260113" y="1980483"/>
-            <a:ext cx="649689" cy="344091"/>
+            <a:off x="7914694" y="2812025"/>
+            <a:ext cx="1917294" cy="803787"/>
           </a:xfrm>
           <a:prstGeom prst="rect">
             <a:avLst/>
           </a:prstGeom>
           <a:solidFill>
-            <a:srgbClr val="7030A0"/>
+            <a:schemeClr val="accent6"/>
           </a:solidFill>
         </p:spPr>
         <p:style>
@@ -3378,29 +3144,28 @@
           <a:p>
             <a:pPr algn="ctr"/>
             <a:r>
-              <a:rPr lang="en-GB" sz="1200" dirty="0" smtClean="0"/>
-              <a:t>GPS</a:t>
-            </a:r>
-            <a:endParaRPr lang="en-GB" sz="1200" dirty="0"/>
-          </a:p>
-        </p:txBody>
-      </p:sp>
-      <p:sp>
-        <p:nvSpPr>
-          <p:cNvPr id="14" name="Rectangle 13"/>
+              <a:rPr lang="en-GB" dirty="0" smtClean="0"/>
+              <a:t>Humidity Sensor</a:t>
+            </a:r>
+          </a:p>
+        </p:txBody>
+      </p:sp>
+      <p:sp>
+        <p:nvSpPr>
+          <p:cNvPr id="8" name="Rectangle 7"/>
           <p:cNvSpPr/>
           <p:nvPr/>
         </p:nvSpPr>
         <p:spPr>
           <a:xfrm>
-            <a:off x="2277817" y="1491793"/>
-            <a:ext cx="497588" cy="299380"/>
+            <a:off x="10439398" y="1530147"/>
+            <a:ext cx="1253614" cy="956187"/>
           </a:xfrm>
           <a:prstGeom prst="rect">
             <a:avLst/>
           </a:prstGeom>
           <a:solidFill>
-            <a:srgbClr val="7030A0"/>
+            <a:schemeClr val="accent6"/>
           </a:solidFill>
         </p:spPr>
         <p:style>
@@ -3425,29 +3190,29 @@
           <a:p>
             <a:pPr algn="ctr"/>
             <a:r>
-              <a:rPr lang="en-GB" sz="1200" dirty="0" smtClean="0"/>
-              <a:t>Gyro</a:t>
-            </a:r>
-            <a:endParaRPr lang="en-GB" sz="1200" dirty="0"/>
-          </a:p>
-        </p:txBody>
-      </p:sp>
-      <p:sp>
-        <p:nvSpPr>
-          <p:cNvPr id="18" name="Rectangle 17"/>
+              <a:rPr lang="en-GB" dirty="0" smtClean="0"/>
+              <a:t>GPS</a:t>
+            </a:r>
+            <a:endParaRPr lang="en-GB" dirty="0"/>
+          </a:p>
+        </p:txBody>
+      </p:sp>
+      <p:sp>
+        <p:nvSpPr>
+          <p:cNvPr id="9" name="Rectangle 8"/>
           <p:cNvSpPr/>
           <p:nvPr/>
         </p:nvSpPr>
         <p:spPr>
           <a:xfrm>
-            <a:off x="2662588" y="983202"/>
-            <a:ext cx="754073" cy="425346"/>
+            <a:off x="10439398" y="234742"/>
+            <a:ext cx="1273280" cy="797644"/>
           </a:xfrm>
           <a:prstGeom prst="rect">
             <a:avLst/>
           </a:prstGeom>
           <a:solidFill>
-            <a:srgbClr val="7030A0"/>
+            <a:schemeClr val="accent6"/>
           </a:solidFill>
         </p:spPr>
         <p:style>
@@ -3472,115 +3237,29 @@
           <a:p>
             <a:pPr algn="ctr"/>
             <a:r>
-              <a:rPr lang="en-GB" sz="1200" dirty="0" smtClean="0"/>
-              <a:t>Humidity Sensor</a:t>
-            </a:r>
-            <a:endParaRPr lang="en-GB" sz="1200" dirty="0"/>
-          </a:p>
-        </p:txBody>
-      </p:sp>
-      <p:sp>
-        <p:nvSpPr>
-          <p:cNvPr id="20" name="Rectangle 19"/>
+              <a:rPr lang="en-GB" dirty="0" smtClean="0"/>
+              <a:t>IMU</a:t>
+            </a:r>
+          </a:p>
+        </p:txBody>
+      </p:sp>
+      <p:sp>
+        <p:nvSpPr>
+          <p:cNvPr id="10" name="Rectangle 9"/>
           <p:cNvSpPr/>
           <p:nvPr/>
         </p:nvSpPr>
         <p:spPr>
           <a:xfrm>
-            <a:off x="3090689" y="2229974"/>
-            <a:ext cx="654693" cy="493428"/>
+            <a:off x="7706029" y="4447870"/>
+            <a:ext cx="1639530" cy="1247467"/>
           </a:xfrm>
           <a:prstGeom prst="rect">
             <a:avLst/>
           </a:prstGeom>
-        </p:spPr>
-        <p:style>
-          <a:lnRef idx="2">
-            <a:schemeClr val="accent2">
-              <a:shade val="50000"/>
-            </a:schemeClr>
-          </a:lnRef>
-          <a:fillRef idx="1">
-            <a:schemeClr val="accent2"/>
-          </a:fillRef>
-          <a:effectRef idx="0">
-            <a:schemeClr val="accent2"/>
-          </a:effectRef>
-          <a:fontRef idx="minor">
-            <a:schemeClr val="lt1"/>
-          </a:fontRef>
-        </p:style>
-        <p:txBody>
-          <a:bodyPr rtlCol="0" anchor="ctr"/>
-          <a:lstStyle/>
-          <a:p>
-            <a:pPr algn="ctr"/>
-            <a:r>
-              <a:rPr lang="en-GB" sz="1200" dirty="0" smtClean="0"/>
-              <a:t>Teensy 3.1</a:t>
-            </a:r>
-            <a:endParaRPr lang="en-GB" sz="1200" dirty="0"/>
-          </a:p>
-        </p:txBody>
-      </p:sp>
-      <p:sp>
-        <p:nvSpPr>
-          <p:cNvPr id="21" name="Rectangle 20"/>
-          <p:cNvSpPr/>
-          <p:nvPr/>
-        </p:nvSpPr>
-        <p:spPr>
-          <a:xfrm>
-            <a:off x="3027863" y="2978185"/>
-            <a:ext cx="920496" cy="376261"/>
-          </a:xfrm>
-          <a:prstGeom prst="rect">
-            <a:avLst/>
-          </a:prstGeom>
-        </p:spPr>
-        <p:style>
-          <a:lnRef idx="2">
-            <a:schemeClr val="accent6">
-              <a:shade val="50000"/>
-            </a:schemeClr>
-          </a:lnRef>
-          <a:fillRef idx="1">
-            <a:schemeClr val="accent6"/>
-          </a:fillRef>
-          <a:effectRef idx="0">
-            <a:schemeClr val="accent6"/>
-          </a:effectRef>
-          <a:fontRef idx="minor">
-            <a:schemeClr val="lt1"/>
-          </a:fontRef>
-        </p:style>
-        <p:txBody>
-          <a:bodyPr rtlCol="0" anchor="ctr"/>
-          <a:lstStyle/>
-          <a:p>
-            <a:pPr algn="ctr"/>
-            <a:r>
-              <a:rPr lang="en-GB" sz="1200" dirty="0" smtClean="0"/>
-              <a:t>LORA transmitter</a:t>
-            </a:r>
-            <a:endParaRPr lang="en-GB" sz="1200" dirty="0"/>
-          </a:p>
-        </p:txBody>
-      </p:sp>
-      <p:sp>
-        <p:nvSpPr>
-          <p:cNvPr id="22" name="Rectangle 21"/>
-          <p:cNvSpPr/>
-          <p:nvPr/>
-        </p:nvSpPr>
-        <p:spPr>
-          <a:xfrm>
-            <a:off x="2842398" y="3899119"/>
-            <a:ext cx="894592" cy="424265"/>
-          </a:xfrm>
-          <a:prstGeom prst="rect">
-            <a:avLst/>
-          </a:prstGeom>
+          <a:solidFill>
+            <a:schemeClr val="accent4"/>
+          </a:solidFill>
         </p:spPr>
         <p:style>
           <a:lnRef idx="2">
@@ -3604,33 +3283,593 @@
           <a:p>
             <a:pPr algn="ctr"/>
             <a:r>
-              <a:rPr lang="en-GB" sz="1200" dirty="0" smtClean="0"/>
-              <a:t>GROUND STATION</a:t>
-            </a:r>
-            <a:endParaRPr lang="en-GB" sz="1200" dirty="0"/>
+              <a:rPr lang="en-GB" dirty="0" smtClean="0"/>
+              <a:t>OSD</a:t>
+            </a:r>
+            <a:endParaRPr lang="en-GB" dirty="0"/>
+          </a:p>
+        </p:txBody>
+      </p:sp>
+      <p:sp>
+        <p:nvSpPr>
+          <p:cNvPr id="11" name="Rectangle 10"/>
+          <p:cNvSpPr/>
+          <p:nvPr/>
+        </p:nvSpPr>
+        <p:spPr>
+          <a:xfrm>
+            <a:off x="4698588" y="4690603"/>
+            <a:ext cx="2551471" cy="762000"/>
+          </a:xfrm>
+          <a:prstGeom prst="rect">
+            <a:avLst/>
+          </a:prstGeom>
+          <a:solidFill>
+            <a:schemeClr val="accent4"/>
+          </a:solidFill>
+        </p:spPr>
+        <p:style>
+          <a:lnRef idx="2">
+            <a:schemeClr val="accent1">
+              <a:shade val="50000"/>
+            </a:schemeClr>
+          </a:lnRef>
+          <a:fillRef idx="1">
+            <a:schemeClr val="accent1"/>
+          </a:fillRef>
+          <a:effectRef idx="0">
+            <a:schemeClr val="accent1"/>
+          </a:effectRef>
+          <a:fontRef idx="minor">
+            <a:schemeClr val="lt1"/>
+          </a:fontRef>
+        </p:style>
+        <p:txBody>
+          <a:bodyPr rtlCol="0" anchor="ctr"/>
+          <a:lstStyle/>
+          <a:p>
+            <a:pPr algn="ctr"/>
+            <a:r>
+              <a:rPr lang="en-GB" dirty="0" smtClean="0"/>
+              <a:t>Mini FPV Camera</a:t>
+            </a:r>
+            <a:endParaRPr lang="en-GB" dirty="0"/>
+          </a:p>
+        </p:txBody>
+      </p:sp>
+      <p:sp>
+        <p:nvSpPr>
+          <p:cNvPr id="12" name="Rectangle 11"/>
+          <p:cNvSpPr/>
+          <p:nvPr/>
+        </p:nvSpPr>
+        <p:spPr>
+          <a:xfrm>
+            <a:off x="10228007" y="4690603"/>
+            <a:ext cx="1484671" cy="762000"/>
+          </a:xfrm>
+          <a:prstGeom prst="rect">
+            <a:avLst/>
+          </a:prstGeom>
+          <a:solidFill>
+            <a:schemeClr val="accent4"/>
+          </a:solidFill>
+        </p:spPr>
+        <p:style>
+          <a:lnRef idx="2">
+            <a:schemeClr val="accent1">
+              <a:shade val="50000"/>
+            </a:schemeClr>
+          </a:lnRef>
+          <a:fillRef idx="1">
+            <a:schemeClr val="accent1"/>
+          </a:fillRef>
+          <a:effectRef idx="0">
+            <a:schemeClr val="accent1"/>
+          </a:effectRef>
+          <a:fontRef idx="minor">
+            <a:schemeClr val="lt1"/>
+          </a:fontRef>
+        </p:style>
+        <p:txBody>
+          <a:bodyPr rtlCol="0" anchor="ctr"/>
+          <a:lstStyle/>
+          <a:p>
+            <a:pPr algn="ctr"/>
+            <a:r>
+              <a:rPr lang="en-GB" dirty="0" smtClean="0"/>
+              <a:t>FPV TX</a:t>
+            </a:r>
+            <a:endParaRPr lang="en-GB" dirty="0"/>
+          </a:p>
+        </p:txBody>
+      </p:sp>
+      <p:sp>
+        <p:nvSpPr>
+          <p:cNvPr id="13" name="Rectangle 12"/>
+          <p:cNvSpPr/>
+          <p:nvPr/>
+        </p:nvSpPr>
+        <p:spPr>
+          <a:xfrm>
+            <a:off x="3120510" y="299883"/>
+            <a:ext cx="1275736" cy="732503"/>
+          </a:xfrm>
+          <a:prstGeom prst="rect">
+            <a:avLst/>
+          </a:prstGeom>
+          <a:solidFill>
+            <a:srgbClr val="FF0000"/>
+          </a:solidFill>
+        </p:spPr>
+        <p:style>
+          <a:lnRef idx="2">
+            <a:schemeClr val="accent1">
+              <a:shade val="50000"/>
+            </a:schemeClr>
+          </a:lnRef>
+          <a:fillRef idx="1">
+            <a:schemeClr val="accent1"/>
+          </a:fillRef>
+          <a:effectRef idx="0">
+            <a:schemeClr val="accent1"/>
+          </a:effectRef>
+          <a:fontRef idx="minor">
+            <a:schemeClr val="lt1"/>
+          </a:fontRef>
+        </p:style>
+        <p:txBody>
+          <a:bodyPr rtlCol="0" anchor="ctr"/>
+          <a:lstStyle/>
+          <a:p>
+            <a:pPr algn="ctr"/>
+            <a:r>
+              <a:rPr lang="en-GB" dirty="0" smtClean="0"/>
+              <a:t>ESC 1</a:t>
+            </a:r>
+            <a:endParaRPr lang="en-GB" dirty="0"/>
+          </a:p>
+        </p:txBody>
+      </p:sp>
+      <p:sp>
+        <p:nvSpPr>
+          <p:cNvPr id="14" name="Rectangle 13"/>
+          <p:cNvSpPr/>
+          <p:nvPr/>
+        </p:nvSpPr>
+        <p:spPr>
+          <a:xfrm>
+            <a:off x="3120510" y="1243781"/>
+            <a:ext cx="1275736" cy="693178"/>
+          </a:xfrm>
+          <a:prstGeom prst="rect">
+            <a:avLst/>
+          </a:prstGeom>
+          <a:solidFill>
+            <a:srgbClr val="FF0000"/>
+          </a:solidFill>
+        </p:spPr>
+        <p:style>
+          <a:lnRef idx="2">
+            <a:schemeClr val="accent1">
+              <a:shade val="50000"/>
+            </a:schemeClr>
+          </a:lnRef>
+          <a:fillRef idx="1">
+            <a:schemeClr val="accent1"/>
+          </a:fillRef>
+          <a:effectRef idx="0">
+            <a:schemeClr val="accent1"/>
+          </a:effectRef>
+          <a:fontRef idx="minor">
+            <a:schemeClr val="lt1"/>
+          </a:fontRef>
+        </p:style>
+        <p:txBody>
+          <a:bodyPr rtlCol="0" anchor="ctr"/>
+          <a:lstStyle/>
+          <a:p>
+            <a:pPr algn="ctr"/>
+            <a:r>
+              <a:rPr lang="en-GB" dirty="0" smtClean="0"/>
+              <a:t>ESC 2</a:t>
+            </a:r>
+            <a:endParaRPr lang="en-GB" dirty="0"/>
+          </a:p>
+        </p:txBody>
+      </p:sp>
+      <p:sp>
+        <p:nvSpPr>
+          <p:cNvPr id="15" name="Rectangle 14"/>
+          <p:cNvSpPr/>
+          <p:nvPr/>
+        </p:nvSpPr>
+        <p:spPr>
+          <a:xfrm>
+            <a:off x="3152464" y="2118852"/>
+            <a:ext cx="1243781" cy="675967"/>
+          </a:xfrm>
+          <a:prstGeom prst="rect">
+            <a:avLst/>
+          </a:prstGeom>
+          <a:solidFill>
+            <a:srgbClr val="FF0000"/>
+          </a:solidFill>
+        </p:spPr>
+        <p:style>
+          <a:lnRef idx="2">
+            <a:schemeClr val="accent1">
+              <a:shade val="50000"/>
+            </a:schemeClr>
+          </a:lnRef>
+          <a:fillRef idx="1">
+            <a:schemeClr val="accent1"/>
+          </a:fillRef>
+          <a:effectRef idx="0">
+            <a:schemeClr val="accent1"/>
+          </a:effectRef>
+          <a:fontRef idx="minor">
+            <a:schemeClr val="lt1"/>
+          </a:fontRef>
+        </p:style>
+        <p:txBody>
+          <a:bodyPr rtlCol="0" anchor="ctr"/>
+          <a:lstStyle/>
+          <a:p>
+            <a:pPr algn="ctr"/>
+            <a:r>
+              <a:rPr lang="en-GB" dirty="0" smtClean="0"/>
+              <a:t>ESC 3</a:t>
+            </a:r>
+          </a:p>
+        </p:txBody>
+      </p:sp>
+      <p:sp>
+        <p:nvSpPr>
+          <p:cNvPr id="16" name="Rectangle 15"/>
+          <p:cNvSpPr/>
+          <p:nvPr/>
+        </p:nvSpPr>
+        <p:spPr>
+          <a:xfrm>
+            <a:off x="3152464" y="3028335"/>
+            <a:ext cx="1243781" cy="616978"/>
+          </a:xfrm>
+          <a:prstGeom prst="rect">
+            <a:avLst/>
+          </a:prstGeom>
+          <a:solidFill>
+            <a:srgbClr val="FF0000"/>
+          </a:solidFill>
+        </p:spPr>
+        <p:style>
+          <a:lnRef idx="2">
+            <a:schemeClr val="accent1">
+              <a:shade val="50000"/>
+            </a:schemeClr>
+          </a:lnRef>
+          <a:fillRef idx="1">
+            <a:schemeClr val="accent1"/>
+          </a:fillRef>
+          <a:effectRef idx="0">
+            <a:schemeClr val="accent1"/>
+          </a:effectRef>
+          <a:fontRef idx="minor">
+            <a:schemeClr val="lt1"/>
+          </a:fontRef>
+        </p:style>
+        <p:txBody>
+          <a:bodyPr rtlCol="0" anchor="ctr"/>
+          <a:lstStyle/>
+          <a:p>
+            <a:pPr algn="ctr"/>
+            <a:r>
+              <a:rPr lang="en-GB" dirty="0" smtClean="0"/>
+              <a:t>ESC 4</a:t>
+            </a:r>
+            <a:endParaRPr lang="en-GB" dirty="0"/>
+          </a:p>
+        </p:txBody>
+      </p:sp>
+      <p:sp>
+        <p:nvSpPr>
+          <p:cNvPr id="17" name="Rectangle 16"/>
+          <p:cNvSpPr/>
+          <p:nvPr/>
+        </p:nvSpPr>
+        <p:spPr>
+          <a:xfrm>
+            <a:off x="280220" y="3023421"/>
+            <a:ext cx="1828799" cy="621892"/>
+          </a:xfrm>
+          <a:prstGeom prst="rect">
+            <a:avLst/>
+          </a:prstGeom>
+          <a:solidFill>
+            <a:srgbClr val="FF0000"/>
+          </a:solidFill>
+        </p:spPr>
+        <p:style>
+          <a:lnRef idx="2">
+            <a:schemeClr val="accent1">
+              <a:shade val="50000"/>
+            </a:schemeClr>
+          </a:lnRef>
+          <a:fillRef idx="1">
+            <a:schemeClr val="accent1"/>
+          </a:fillRef>
+          <a:effectRef idx="0">
+            <a:schemeClr val="accent1"/>
+          </a:effectRef>
+          <a:fontRef idx="minor">
+            <a:schemeClr val="lt1"/>
+          </a:fontRef>
+        </p:style>
+        <p:txBody>
+          <a:bodyPr rtlCol="0" anchor="ctr"/>
+          <a:lstStyle/>
+          <a:p>
+            <a:pPr algn="ctr"/>
+            <a:r>
+              <a:rPr lang="en-GB" dirty="0" smtClean="0"/>
+              <a:t>Motor 1</a:t>
+            </a:r>
+            <a:endParaRPr lang="en-GB" dirty="0"/>
+          </a:p>
+        </p:txBody>
+      </p:sp>
+      <p:sp>
+        <p:nvSpPr>
+          <p:cNvPr id="18" name="Rectangle 17"/>
+          <p:cNvSpPr/>
+          <p:nvPr/>
+        </p:nvSpPr>
+        <p:spPr>
+          <a:xfrm>
+            <a:off x="280220" y="2118853"/>
+            <a:ext cx="1828799" cy="675967"/>
+          </a:xfrm>
+          <a:prstGeom prst="rect">
+            <a:avLst/>
+          </a:prstGeom>
+          <a:solidFill>
+            <a:srgbClr val="FF0000"/>
+          </a:solidFill>
+        </p:spPr>
+        <p:style>
+          <a:lnRef idx="2">
+            <a:schemeClr val="accent1">
+              <a:shade val="50000"/>
+            </a:schemeClr>
+          </a:lnRef>
+          <a:fillRef idx="1">
+            <a:schemeClr val="accent1"/>
+          </a:fillRef>
+          <a:effectRef idx="0">
+            <a:schemeClr val="accent1"/>
+          </a:effectRef>
+          <a:fontRef idx="minor">
+            <a:schemeClr val="lt1"/>
+          </a:fontRef>
+        </p:style>
+        <p:txBody>
+          <a:bodyPr rtlCol="0" anchor="ctr"/>
+          <a:lstStyle/>
+          <a:p>
+            <a:pPr algn="ctr"/>
+            <a:r>
+              <a:rPr lang="en-GB" dirty="0" smtClean="0"/>
+              <a:t>Motor 2</a:t>
+            </a:r>
+            <a:endParaRPr lang="en-GB" dirty="0"/>
+          </a:p>
+        </p:txBody>
+      </p:sp>
+      <p:sp>
+        <p:nvSpPr>
+          <p:cNvPr id="19" name="Rectangle 18"/>
+          <p:cNvSpPr/>
+          <p:nvPr/>
+        </p:nvSpPr>
+        <p:spPr>
+          <a:xfrm>
+            <a:off x="280221" y="1248700"/>
+            <a:ext cx="1828800" cy="688259"/>
+          </a:xfrm>
+          <a:prstGeom prst="rect">
+            <a:avLst/>
+          </a:prstGeom>
+          <a:solidFill>
+            <a:srgbClr val="FF0000"/>
+          </a:solidFill>
+        </p:spPr>
+        <p:style>
+          <a:lnRef idx="2">
+            <a:schemeClr val="accent1">
+              <a:shade val="50000"/>
+            </a:schemeClr>
+          </a:lnRef>
+          <a:fillRef idx="1">
+            <a:schemeClr val="accent1"/>
+          </a:fillRef>
+          <a:effectRef idx="0">
+            <a:schemeClr val="accent1"/>
+          </a:effectRef>
+          <a:fontRef idx="minor">
+            <a:schemeClr val="lt1"/>
+          </a:fontRef>
+        </p:style>
+        <p:txBody>
+          <a:bodyPr rtlCol="0" anchor="ctr"/>
+          <a:lstStyle/>
+          <a:p>
+            <a:pPr algn="ctr"/>
+            <a:r>
+              <a:rPr lang="en-GB" dirty="0" smtClean="0"/>
+              <a:t>Motor 3</a:t>
+            </a:r>
+            <a:endParaRPr lang="en-GB" dirty="0"/>
+          </a:p>
+        </p:txBody>
+      </p:sp>
+      <p:sp>
+        <p:nvSpPr>
+          <p:cNvPr id="20" name="Rectangle 19"/>
+          <p:cNvSpPr/>
+          <p:nvPr/>
+        </p:nvSpPr>
+        <p:spPr>
+          <a:xfrm>
+            <a:off x="280220" y="299884"/>
+            <a:ext cx="1828800" cy="732503"/>
+          </a:xfrm>
+          <a:prstGeom prst="rect">
+            <a:avLst/>
+          </a:prstGeom>
+          <a:solidFill>
+            <a:srgbClr val="FF0000"/>
+          </a:solidFill>
+        </p:spPr>
+        <p:style>
+          <a:lnRef idx="2">
+            <a:schemeClr val="accent1">
+              <a:shade val="50000"/>
+            </a:schemeClr>
+          </a:lnRef>
+          <a:fillRef idx="1">
+            <a:schemeClr val="accent1"/>
+          </a:fillRef>
+          <a:effectRef idx="0">
+            <a:schemeClr val="accent1"/>
+          </a:effectRef>
+          <a:fontRef idx="minor">
+            <a:schemeClr val="lt1"/>
+          </a:fontRef>
+        </p:style>
+        <p:txBody>
+          <a:bodyPr rtlCol="0" anchor="ctr"/>
+          <a:lstStyle/>
+          <a:p>
+            <a:pPr algn="ctr"/>
+            <a:r>
+              <a:rPr lang="en-GB" dirty="0" smtClean="0"/>
+              <a:t>Motor 4</a:t>
+            </a:r>
+            <a:endParaRPr lang="en-GB" dirty="0"/>
+          </a:p>
+        </p:txBody>
+      </p:sp>
+      <p:sp>
+        <p:nvSpPr>
+          <p:cNvPr id="21" name="Rectangle 20"/>
+          <p:cNvSpPr/>
+          <p:nvPr/>
+        </p:nvSpPr>
+        <p:spPr>
+          <a:xfrm>
+            <a:off x="1300316" y="4638367"/>
+            <a:ext cx="1978741" cy="742336"/>
+          </a:xfrm>
+          <a:prstGeom prst="rect">
+            <a:avLst/>
+          </a:prstGeom>
+          <a:solidFill>
+            <a:srgbClr val="FF0000"/>
+          </a:solidFill>
+        </p:spPr>
+        <p:style>
+          <a:lnRef idx="2">
+            <a:schemeClr val="accent1">
+              <a:shade val="50000"/>
+            </a:schemeClr>
+          </a:lnRef>
+          <a:fillRef idx="1">
+            <a:schemeClr val="accent1"/>
+          </a:fillRef>
+          <a:effectRef idx="0">
+            <a:schemeClr val="accent1"/>
+          </a:effectRef>
+          <a:fontRef idx="minor">
+            <a:schemeClr val="lt1"/>
+          </a:fontRef>
+        </p:style>
+        <p:txBody>
+          <a:bodyPr rtlCol="0" anchor="ctr"/>
+          <a:lstStyle/>
+          <a:p>
+            <a:pPr algn="ctr"/>
+            <a:r>
+              <a:rPr lang="en-GB" dirty="0" smtClean="0"/>
+              <a:t>Control Board</a:t>
+            </a:r>
+            <a:endParaRPr lang="en-GB" dirty="0"/>
+          </a:p>
+        </p:txBody>
+      </p:sp>
+      <p:sp>
+        <p:nvSpPr>
+          <p:cNvPr id="22" name="Rectangle 21"/>
+          <p:cNvSpPr/>
+          <p:nvPr/>
+        </p:nvSpPr>
+        <p:spPr>
+          <a:xfrm>
+            <a:off x="1586679" y="5724833"/>
+            <a:ext cx="1406013" cy="840658"/>
+          </a:xfrm>
+          <a:prstGeom prst="rect">
+            <a:avLst/>
+          </a:prstGeom>
+          <a:solidFill>
+            <a:srgbClr val="FF0000"/>
+          </a:solidFill>
+        </p:spPr>
+        <p:style>
+          <a:lnRef idx="2">
+            <a:schemeClr val="accent1">
+              <a:shade val="50000"/>
+            </a:schemeClr>
+          </a:lnRef>
+          <a:fillRef idx="1">
+            <a:schemeClr val="accent1"/>
+          </a:fillRef>
+          <a:effectRef idx="0">
+            <a:schemeClr val="accent1"/>
+          </a:effectRef>
+          <a:fontRef idx="minor">
+            <a:schemeClr val="lt1"/>
+          </a:fontRef>
+        </p:style>
+        <p:txBody>
+          <a:bodyPr rtlCol="0" anchor="ctr"/>
+          <a:lstStyle/>
+          <a:p>
+            <a:pPr algn="ctr"/>
+            <a:r>
+              <a:rPr lang="en-GB" dirty="0" smtClean="0"/>
+              <a:t>Radio RX</a:t>
+            </a:r>
+            <a:endParaRPr lang="en-GB" dirty="0"/>
           </a:p>
         </p:txBody>
       </p:sp>
       <p:cxnSp>
         <p:nvCxnSpPr>
-          <p:cNvPr id="24" name="Straight Arrow Connector 23"/>
+          <p:cNvPr id="24" name="Straight Connector 23"/>
           <p:cNvCxnSpPr>
-            <a:stCxn id="6" idx="0"/>
-            <a:endCxn id="4" idx="2"/>
+            <a:stCxn id="20" idx="3"/>
+            <a:endCxn id="13" idx="1"/>
           </p:cNvCxnSpPr>
           <p:nvPr/>
         </p:nvCxnSpPr>
         <p:spPr>
-          <a:xfrm flipH="1" flipV="1">
-            <a:off x="756184" y="1444391"/>
-            <a:ext cx="6759" cy="384409"/>
-          </a:xfrm>
-          <a:prstGeom prst="straightConnector1">
+          <a:xfrm flipV="1">
+            <a:off x="2109020" y="666135"/>
+            <a:ext cx="1011490" cy="1"/>
+          </a:xfrm>
+          <a:prstGeom prst="line">
             <a:avLst/>
           </a:prstGeom>
-          <a:ln w="57150">
-            <a:tailEnd type="triangle"/>
-          </a:ln>
         </p:spPr>
         <p:style>
           <a:lnRef idx="1">
@@ -3649,21 +3888,21 @@
       </p:cxnSp>
       <p:cxnSp>
         <p:nvCxnSpPr>
-          <p:cNvPr id="27" name="Straight Arrow Connector 26"/>
-          <p:cNvCxnSpPr/>
+          <p:cNvPr id="25" name="Straight Connector 24"/>
+          <p:cNvCxnSpPr>
+            <a:stCxn id="19" idx="3"/>
+            <a:endCxn id="14" idx="1"/>
+          </p:cNvCxnSpPr>
           <p:nvPr/>
         </p:nvCxnSpPr>
         <p:spPr>
-          <a:xfrm>
-            <a:off x="864867" y="2714705"/>
-            <a:ext cx="0" cy="358152"/>
-          </a:xfrm>
-          <a:prstGeom prst="straightConnector1">
+          <a:xfrm flipV="1">
+            <a:off x="2109021" y="1590370"/>
+            <a:ext cx="1011489" cy="2460"/>
+          </a:xfrm>
+          <a:prstGeom prst="line">
             <a:avLst/>
           </a:prstGeom>
-          <a:ln w="57150">
-            <a:tailEnd type="triangle"/>
-          </a:ln>
         </p:spPr>
         <p:style>
           <a:lnRef idx="1">
@@ -3682,21 +3921,21 @@
       </p:cxnSp>
       <p:cxnSp>
         <p:nvCxnSpPr>
-          <p:cNvPr id="28" name="Straight Arrow Connector 27"/>
-          <p:cNvCxnSpPr/>
+          <p:cNvPr id="28" name="Straight Connector 27"/>
+          <p:cNvCxnSpPr>
+            <a:stCxn id="18" idx="3"/>
+            <a:endCxn id="15" idx="1"/>
+          </p:cNvCxnSpPr>
           <p:nvPr/>
         </p:nvCxnSpPr>
         <p:spPr>
-          <a:xfrm>
-            <a:off x="1846519" y="1401417"/>
-            <a:ext cx="0" cy="406537"/>
-          </a:xfrm>
-          <a:prstGeom prst="straightConnector1">
+          <a:xfrm flipV="1">
+            <a:off x="2109019" y="2456836"/>
+            <a:ext cx="1043445" cy="1"/>
+          </a:xfrm>
+          <a:prstGeom prst="line">
             <a:avLst/>
           </a:prstGeom>
-          <a:ln w="57150">
-            <a:tailEnd type="triangle"/>
-          </a:ln>
         </p:spPr>
         <p:style>
           <a:lnRef idx="1">
@@ -3715,21 +3954,21 @@
       </p:cxnSp>
       <p:cxnSp>
         <p:nvCxnSpPr>
-          <p:cNvPr id="29" name="Straight Arrow Connector 28"/>
-          <p:cNvCxnSpPr/>
+          <p:cNvPr id="31" name="Straight Connector 30"/>
+          <p:cNvCxnSpPr>
+            <a:stCxn id="17" idx="3"/>
+            <a:endCxn id="16" idx="1"/>
+          </p:cNvCxnSpPr>
           <p:nvPr/>
         </p:nvCxnSpPr>
         <p:spPr>
           <a:xfrm>
-            <a:off x="1840531" y="2392324"/>
-            <a:ext cx="0" cy="406537"/>
-          </a:xfrm>
-          <a:prstGeom prst="straightConnector1">
+            <a:off x="2109019" y="3334367"/>
+            <a:ext cx="1043445" cy="2457"/>
+          </a:xfrm>
+          <a:prstGeom prst="line">
             <a:avLst/>
           </a:prstGeom>
-          <a:ln w="57150">
-            <a:tailEnd type="triangle"/>
-          </a:ln>
         </p:spPr>
         <p:style>
           <a:lnRef idx="1">
@@ -3748,24 +3987,21 @@
       </p:cxnSp>
       <p:cxnSp>
         <p:nvCxnSpPr>
-          <p:cNvPr id="30" name="Straight Arrow Connector 29"/>
+          <p:cNvPr id="34" name="Straight Connector 33"/>
           <p:cNvCxnSpPr>
-            <a:stCxn id="7" idx="2"/>
-            <a:endCxn id="22" idx="1"/>
+            <a:stCxn id="21" idx="0"/>
+            <a:endCxn id="13" idx="1"/>
           </p:cNvCxnSpPr>
           <p:nvPr/>
         </p:nvCxnSpPr>
         <p:spPr>
-          <a:xfrm>
-            <a:off x="864867" y="3479394"/>
-            <a:ext cx="1977531" cy="631858"/>
-          </a:xfrm>
-          <a:prstGeom prst="straightConnector1">
+          <a:xfrm flipV="1">
+            <a:off x="2289687" y="666135"/>
+            <a:ext cx="830823" cy="3972232"/>
+          </a:xfrm>
+          <a:prstGeom prst="line">
             <a:avLst/>
           </a:prstGeom>
-          <a:ln w="57150">
-            <a:tailEnd type="triangle"/>
-          </a:ln>
         </p:spPr>
         <p:style>
           <a:lnRef idx="1">
@@ -3784,23 +4020,21 @@
       </p:cxnSp>
       <p:cxnSp>
         <p:nvCxnSpPr>
-          <p:cNvPr id="31" name="Straight Arrow Connector 30"/>
+          <p:cNvPr id="37" name="Straight Connector 36"/>
           <p:cNvCxnSpPr>
-            <a:stCxn id="10" idx="2"/>
+            <a:stCxn id="21" idx="0"/>
+            <a:endCxn id="14" idx="1"/>
           </p:cNvCxnSpPr>
           <p:nvPr/>
         </p:nvCxnSpPr>
         <p:spPr>
-          <a:xfrm>
-            <a:off x="2011247" y="3323570"/>
-            <a:ext cx="801674" cy="532373"/>
-          </a:xfrm>
-          <a:prstGeom prst="straightConnector1">
+          <a:xfrm flipV="1">
+            <a:off x="2289687" y="1590370"/>
+            <a:ext cx="830823" cy="3047997"/>
+          </a:xfrm>
+          <a:prstGeom prst="line">
             <a:avLst/>
           </a:prstGeom>
-          <a:ln w="57150">
-            <a:tailEnd type="triangle"/>
-          </a:ln>
         </p:spPr>
         <p:style>
           <a:lnRef idx="1">
@@ -3819,21 +4053,21 @@
       </p:cxnSp>
       <p:cxnSp>
         <p:nvCxnSpPr>
-          <p:cNvPr id="32" name="Straight Arrow Connector 31"/>
-          <p:cNvCxnSpPr/>
+          <p:cNvPr id="40" name="Straight Connector 39"/>
+          <p:cNvCxnSpPr>
+            <a:stCxn id="21" idx="0"/>
+            <a:endCxn id="15" idx="1"/>
+          </p:cNvCxnSpPr>
           <p:nvPr/>
         </p:nvCxnSpPr>
         <p:spPr>
-          <a:xfrm>
-            <a:off x="3044570" y="1423198"/>
-            <a:ext cx="245124" cy="787656"/>
-          </a:xfrm>
-          <a:prstGeom prst="straightConnector1">
+          <a:xfrm flipV="1">
+            <a:off x="2289687" y="2456836"/>
+            <a:ext cx="862777" cy="2181531"/>
+          </a:xfrm>
+          <a:prstGeom prst="line">
             <a:avLst/>
           </a:prstGeom>
-          <a:ln w="57150">
-            <a:tailEnd type="triangle"/>
-          </a:ln>
         </p:spPr>
         <p:style>
           <a:lnRef idx="1">
@@ -3852,21 +4086,21 @@
       </p:cxnSp>
       <p:cxnSp>
         <p:nvCxnSpPr>
-          <p:cNvPr id="34" name="Straight Arrow Connector 33"/>
-          <p:cNvCxnSpPr/>
+          <p:cNvPr id="43" name="Straight Connector 42"/>
+          <p:cNvCxnSpPr>
+            <a:stCxn id="21" idx="0"/>
+            <a:endCxn id="16" idx="1"/>
+          </p:cNvCxnSpPr>
           <p:nvPr/>
         </p:nvCxnSpPr>
         <p:spPr>
-          <a:xfrm flipH="1">
-            <a:off x="3745382" y="1635984"/>
-            <a:ext cx="508776" cy="574870"/>
-          </a:xfrm>
-          <a:prstGeom prst="straightConnector1">
+          <a:xfrm flipV="1">
+            <a:off x="2289687" y="3336824"/>
+            <a:ext cx="862777" cy="1301543"/>
+          </a:xfrm>
+          <a:prstGeom prst="line">
             <a:avLst/>
           </a:prstGeom>
-          <a:ln w="57150">
-            <a:tailEnd type="triangle"/>
-          </a:ln>
         </p:spPr>
         <p:style>
           <a:lnRef idx="1">
@@ -3885,23 +4119,21 @@
       </p:cxnSp>
       <p:cxnSp>
         <p:nvCxnSpPr>
-          <p:cNvPr id="35" name="Straight Arrow Connector 34"/>
+          <p:cNvPr id="54" name="Straight Connector 53"/>
           <p:cNvCxnSpPr>
-            <a:endCxn id="20" idx="3"/>
+            <a:stCxn id="22" idx="0"/>
+            <a:endCxn id="21" idx="2"/>
           </p:cNvCxnSpPr>
           <p:nvPr/>
         </p:nvCxnSpPr>
         <p:spPr>
-          <a:xfrm flipH="1">
-            <a:off x="3745382" y="2324574"/>
-            <a:ext cx="603770" cy="152114"/>
-          </a:xfrm>
-          <a:prstGeom prst="straightConnector1">
+          <a:xfrm flipV="1">
+            <a:off x="2289686" y="5380703"/>
+            <a:ext cx="1" cy="344130"/>
+          </a:xfrm>
+          <a:prstGeom prst="line">
             <a:avLst/>
           </a:prstGeom>
-          <a:ln w="57150">
-            <a:tailEnd type="triangle"/>
-          </a:ln>
         </p:spPr>
         <p:style>
           <a:lnRef idx="1">
@@ -3920,21 +4152,21 @@
       </p:cxnSp>
       <p:cxnSp>
         <p:nvCxnSpPr>
-          <p:cNvPr id="36" name="Straight Arrow Connector 35"/>
-          <p:cNvCxnSpPr/>
+          <p:cNvPr id="58" name="Straight Connector 57"/>
+          <p:cNvCxnSpPr>
+            <a:stCxn id="13" idx="3"/>
+            <a:endCxn id="5" idx="1"/>
+          </p:cNvCxnSpPr>
           <p:nvPr/>
         </p:nvCxnSpPr>
         <p:spPr>
           <a:xfrm>
-            <a:off x="2586219" y="1812510"/>
-            <a:ext cx="453405" cy="432114"/>
-          </a:xfrm>
-          <a:prstGeom prst="straightConnector1">
+            <a:off x="4396246" y="666135"/>
+            <a:ext cx="372397" cy="577646"/>
+          </a:xfrm>
+          <a:prstGeom prst="line">
             <a:avLst/>
           </a:prstGeom>
-          <a:ln w="57150">
-            <a:tailEnd type="triangle"/>
-          </a:ln>
         </p:spPr>
         <p:style>
           <a:lnRef idx="1">
@@ -3953,23 +4185,21 @@
       </p:cxnSp>
       <p:cxnSp>
         <p:nvCxnSpPr>
-          <p:cNvPr id="37" name="Straight Arrow Connector 36"/>
+          <p:cNvPr id="61" name="Straight Connector 60"/>
           <p:cNvCxnSpPr>
-            <a:endCxn id="20" idx="0"/>
+            <a:stCxn id="14" idx="3"/>
+            <a:endCxn id="5" idx="1"/>
           </p:cNvCxnSpPr>
           <p:nvPr/>
         </p:nvCxnSpPr>
         <p:spPr>
-          <a:xfrm flipH="1">
-            <a:off x="3418036" y="1370230"/>
-            <a:ext cx="592007" cy="859744"/>
-          </a:xfrm>
-          <a:prstGeom prst="straightConnector1">
+          <a:xfrm flipV="1">
+            <a:off x="4396246" y="1243781"/>
+            <a:ext cx="372397" cy="346589"/>
+          </a:xfrm>
+          <a:prstGeom prst="line">
             <a:avLst/>
           </a:prstGeom>
-          <a:ln w="57150">
-            <a:tailEnd type="triangle"/>
-          </a:ln>
         </p:spPr>
         <p:style>
           <a:lnRef idx="1">
@@ -3988,21 +4218,21 @@
       </p:cxnSp>
       <p:cxnSp>
         <p:nvCxnSpPr>
-          <p:cNvPr id="40" name="Straight Arrow Connector 39"/>
-          <p:cNvCxnSpPr/>
+          <p:cNvPr id="64" name="Straight Connector 63"/>
+          <p:cNvCxnSpPr>
+            <a:stCxn id="15" idx="3"/>
+            <a:endCxn id="5" idx="1"/>
+          </p:cNvCxnSpPr>
           <p:nvPr/>
         </p:nvCxnSpPr>
         <p:spPr>
-          <a:xfrm>
-            <a:off x="3438837" y="2714705"/>
-            <a:ext cx="0" cy="278727"/>
-          </a:xfrm>
-          <a:prstGeom prst="straightConnector1">
+          <a:xfrm flipV="1">
+            <a:off x="4396245" y="1243781"/>
+            <a:ext cx="372398" cy="1213055"/>
+          </a:xfrm>
+          <a:prstGeom prst="line">
             <a:avLst/>
           </a:prstGeom>
-          <a:ln w="57150">
-            <a:tailEnd type="triangle"/>
-          </a:ln>
         </p:spPr>
         <p:style>
           <a:lnRef idx="1">
@@ -4021,23 +4251,21 @@
       </p:cxnSp>
       <p:cxnSp>
         <p:nvCxnSpPr>
-          <p:cNvPr id="41" name="Straight Arrow Connector 40"/>
+          <p:cNvPr id="67" name="Straight Connector 66"/>
           <p:cNvCxnSpPr>
-            <a:endCxn id="22" idx="0"/>
+            <a:stCxn id="16" idx="3"/>
+            <a:endCxn id="5" idx="1"/>
           </p:cNvCxnSpPr>
           <p:nvPr/>
         </p:nvCxnSpPr>
         <p:spPr>
-          <a:xfrm flipH="1">
-            <a:off x="3289694" y="3360810"/>
-            <a:ext cx="203969" cy="538309"/>
-          </a:xfrm>
-          <a:prstGeom prst="straightConnector1">
+          <a:xfrm flipV="1">
+            <a:off x="4396245" y="1243781"/>
+            <a:ext cx="372398" cy="2093043"/>
+          </a:xfrm>
+          <a:prstGeom prst="line">
             <a:avLst/>
           </a:prstGeom>
-          <a:ln w="57150">
-            <a:tailEnd type="triangle"/>
-          </a:ln>
         </p:spPr>
         <p:style>
           <a:lnRef idx="1">
@@ -4054,32 +4282,333 @@
           </a:fontRef>
         </p:style>
       </p:cxnSp>
-      <p:sp>
-        <p:nvSpPr>
-          <p:cNvPr id="62" name="Rectangle 61"/>
+      <p:cxnSp>
+        <p:nvCxnSpPr>
+          <p:cNvPr id="70" name="Straight Connector 69"/>
+          <p:cNvCxnSpPr>
+            <a:stCxn id="5" idx="2"/>
+            <a:endCxn id="4" idx="0"/>
+          </p:cNvCxnSpPr>
+          <p:nvPr/>
+        </p:nvCxnSpPr>
+        <p:spPr>
+          <a:xfrm>
+            <a:off x="6044379" y="1789472"/>
+            <a:ext cx="0" cy="780281"/>
+          </a:xfrm>
+          <a:prstGeom prst="line">
+            <a:avLst/>
+          </a:prstGeom>
+        </p:spPr>
+        <p:style>
+          <a:lnRef idx="1">
+            <a:schemeClr val="accent1"/>
+          </a:lnRef>
+          <a:fillRef idx="0">
+            <a:schemeClr val="accent1"/>
+          </a:fillRef>
+          <a:effectRef idx="0">
+            <a:schemeClr val="accent1"/>
+          </a:effectRef>
+          <a:fontRef idx="minor">
+            <a:schemeClr val="tx1"/>
+          </a:fontRef>
+        </p:style>
+      </p:cxnSp>
+      <p:cxnSp>
+        <p:nvCxnSpPr>
+          <p:cNvPr id="73" name="Straight Connector 72"/>
+          <p:cNvCxnSpPr>
+            <a:stCxn id="5" idx="3"/>
+            <a:endCxn id="6" idx="1"/>
+          </p:cNvCxnSpPr>
+          <p:nvPr/>
+        </p:nvCxnSpPr>
+        <p:spPr>
+          <a:xfrm>
+            <a:off x="7320114" y="1243781"/>
+            <a:ext cx="825910" cy="0"/>
+          </a:xfrm>
+          <a:prstGeom prst="line">
+            <a:avLst/>
+          </a:prstGeom>
+        </p:spPr>
+        <p:style>
+          <a:lnRef idx="1">
+            <a:schemeClr val="accent1"/>
+          </a:lnRef>
+          <a:fillRef idx="0">
+            <a:schemeClr val="accent1"/>
+          </a:fillRef>
+          <a:effectRef idx="0">
+            <a:schemeClr val="accent1"/>
+          </a:effectRef>
+          <a:fontRef idx="minor">
+            <a:schemeClr val="tx1"/>
+          </a:fontRef>
+        </p:style>
+      </p:cxnSp>
+      <p:cxnSp>
+        <p:nvCxnSpPr>
+          <p:cNvPr id="76" name="Straight Connector 75"/>
+          <p:cNvCxnSpPr>
+            <a:stCxn id="6" idx="3"/>
+            <a:endCxn id="9" idx="1"/>
+          </p:cNvCxnSpPr>
+          <p:nvPr/>
+        </p:nvCxnSpPr>
+        <p:spPr>
+          <a:xfrm flipV="1">
+            <a:off x="9613488" y="633564"/>
+            <a:ext cx="825910" cy="610217"/>
+          </a:xfrm>
+          <a:prstGeom prst="line">
+            <a:avLst/>
+          </a:prstGeom>
+        </p:spPr>
+        <p:style>
+          <a:lnRef idx="1">
+            <a:schemeClr val="accent1"/>
+          </a:lnRef>
+          <a:fillRef idx="0">
+            <a:schemeClr val="accent1"/>
+          </a:fillRef>
+          <a:effectRef idx="0">
+            <a:schemeClr val="accent1"/>
+          </a:effectRef>
+          <a:fontRef idx="minor">
+            <a:schemeClr val="tx1"/>
+          </a:fontRef>
+        </p:style>
+      </p:cxnSp>
+      <p:cxnSp>
+        <p:nvCxnSpPr>
+          <p:cNvPr id="79" name="Straight Connector 78"/>
+          <p:cNvCxnSpPr>
+            <a:stCxn id="6" idx="3"/>
+            <a:endCxn id="8" idx="1"/>
+          </p:cNvCxnSpPr>
+          <p:nvPr/>
+        </p:nvCxnSpPr>
+        <p:spPr>
+          <a:xfrm>
+            <a:off x="9613488" y="1243781"/>
+            <a:ext cx="825910" cy="764460"/>
+          </a:xfrm>
+          <a:prstGeom prst="line">
+            <a:avLst/>
+          </a:prstGeom>
+        </p:spPr>
+        <p:style>
+          <a:lnRef idx="1">
+            <a:schemeClr val="accent1"/>
+          </a:lnRef>
+          <a:fillRef idx="0">
+            <a:schemeClr val="accent1"/>
+          </a:fillRef>
+          <a:effectRef idx="0">
+            <a:schemeClr val="accent1"/>
+          </a:effectRef>
+          <a:fontRef idx="minor">
+            <a:schemeClr val="tx1"/>
+          </a:fontRef>
+        </p:style>
+      </p:cxnSp>
+      <p:cxnSp>
+        <p:nvCxnSpPr>
+          <p:cNvPr id="82" name="Straight Connector 81"/>
+          <p:cNvCxnSpPr>
+            <a:stCxn id="6" idx="2"/>
+            <a:endCxn id="7" idx="0"/>
+          </p:cNvCxnSpPr>
+          <p:nvPr/>
+        </p:nvCxnSpPr>
+        <p:spPr>
+          <a:xfrm flipH="1">
+            <a:off x="8873341" y="1712657"/>
+            <a:ext cx="6415" cy="1099368"/>
+          </a:xfrm>
+          <a:prstGeom prst="line">
+            <a:avLst/>
+          </a:prstGeom>
+        </p:spPr>
+        <p:style>
+          <a:lnRef idx="1">
+            <a:schemeClr val="accent1"/>
+          </a:lnRef>
+          <a:fillRef idx="0">
+            <a:schemeClr val="accent1"/>
+          </a:fillRef>
+          <a:effectRef idx="0">
+            <a:schemeClr val="accent1"/>
+          </a:effectRef>
+          <a:fontRef idx="minor">
+            <a:schemeClr val="tx1"/>
+          </a:fontRef>
+        </p:style>
+      </p:cxnSp>
+      <p:cxnSp>
+        <p:nvCxnSpPr>
+          <p:cNvPr id="92" name="Straight Connector 91"/>
+          <p:cNvCxnSpPr>
+            <a:stCxn id="4" idx="3"/>
+            <a:endCxn id="10" idx="0"/>
+          </p:cNvCxnSpPr>
+          <p:nvPr/>
+        </p:nvCxnSpPr>
+        <p:spPr>
+          <a:xfrm>
+            <a:off x="7320114" y="3447282"/>
+            <a:ext cx="1205680" cy="1000588"/>
+          </a:xfrm>
+          <a:prstGeom prst="line">
+            <a:avLst/>
+          </a:prstGeom>
+        </p:spPr>
+        <p:style>
+          <a:lnRef idx="1">
+            <a:schemeClr val="accent1"/>
+          </a:lnRef>
+          <a:fillRef idx="0">
+            <a:schemeClr val="accent1"/>
+          </a:fillRef>
+          <a:effectRef idx="0">
+            <a:schemeClr val="accent1"/>
+          </a:effectRef>
+          <a:fontRef idx="minor">
+            <a:schemeClr val="tx1"/>
+          </a:fontRef>
+        </p:style>
+      </p:cxnSp>
+      <p:cxnSp>
+        <p:nvCxnSpPr>
+          <p:cNvPr id="95" name="Straight Connector 94"/>
+          <p:cNvCxnSpPr>
+            <a:stCxn id="10" idx="3"/>
+            <a:endCxn id="12" idx="1"/>
+          </p:cNvCxnSpPr>
+          <p:nvPr/>
+        </p:nvCxnSpPr>
+        <p:spPr>
+          <a:xfrm flipV="1">
+            <a:off x="9345559" y="5071603"/>
+            <a:ext cx="882448" cy="1"/>
+          </a:xfrm>
+          <a:prstGeom prst="line">
+            <a:avLst/>
+          </a:prstGeom>
+        </p:spPr>
+        <p:style>
+          <a:lnRef idx="1">
+            <a:schemeClr val="accent1"/>
+          </a:lnRef>
+          <a:fillRef idx="0">
+            <a:schemeClr val="accent1"/>
+          </a:fillRef>
+          <a:effectRef idx="0">
+            <a:schemeClr val="accent1"/>
+          </a:effectRef>
+          <a:fontRef idx="minor">
+            <a:schemeClr val="tx1"/>
+          </a:fontRef>
+        </p:style>
+      </p:cxnSp>
+      <p:cxnSp>
+        <p:nvCxnSpPr>
+          <p:cNvPr id="99" name="Straight Connector 98"/>
+          <p:cNvCxnSpPr>
+            <a:stCxn id="11" idx="3"/>
+            <a:endCxn id="10" idx="1"/>
+          </p:cNvCxnSpPr>
+          <p:nvPr/>
+        </p:nvCxnSpPr>
+        <p:spPr>
+          <a:xfrm>
+            <a:off x="7250059" y="5071603"/>
+            <a:ext cx="455970" cy="1"/>
+          </a:xfrm>
+          <a:prstGeom prst="line">
+            <a:avLst/>
+          </a:prstGeom>
+        </p:spPr>
+        <p:style>
+          <a:lnRef idx="1">
+            <a:schemeClr val="accent1"/>
+          </a:lnRef>
+          <a:fillRef idx="0">
+            <a:schemeClr val="accent1"/>
+          </a:fillRef>
+          <a:effectRef idx="0">
+            <a:schemeClr val="accent1"/>
+          </a:effectRef>
+          <a:fontRef idx="minor">
+            <a:schemeClr val="tx1"/>
+          </a:fontRef>
+        </p:style>
+      </p:cxnSp>
+      <p:cxnSp>
+        <p:nvCxnSpPr>
+          <p:cNvPr id="42" name="Straight Connector 41"/>
+          <p:cNvCxnSpPr>
+            <a:stCxn id="21" idx="0"/>
+            <a:endCxn id="5" idx="2"/>
+          </p:cNvCxnSpPr>
+          <p:nvPr/>
+        </p:nvCxnSpPr>
+        <p:spPr>
+          <a:xfrm flipV="1">
+            <a:off x="2289687" y="1789472"/>
+            <a:ext cx="3754692" cy="2848895"/>
+          </a:xfrm>
+          <a:prstGeom prst="line">
+            <a:avLst/>
+          </a:prstGeom>
+          <a:ln/>
+        </p:spPr>
+        <p:style>
+          <a:lnRef idx="1">
+            <a:schemeClr val="accent5"/>
+          </a:lnRef>
+          <a:fillRef idx="0">
+            <a:schemeClr val="accent5"/>
+          </a:fillRef>
+          <a:effectRef idx="0">
+            <a:schemeClr val="accent5"/>
+          </a:effectRef>
+          <a:fontRef idx="minor">
+            <a:schemeClr val="tx1"/>
+          </a:fontRef>
+        </p:style>
+      </p:cxnSp>
+      <p:sp>
+        <p:nvSpPr>
+          <p:cNvPr id="44" name="Rectangle 43"/>
           <p:cNvSpPr/>
           <p:nvPr/>
         </p:nvSpPr>
         <p:spPr>
           <a:xfrm>
-            <a:off x="4201840" y="2550189"/>
-            <a:ext cx="793699" cy="446227"/>
+            <a:off x="10116623" y="2812025"/>
+            <a:ext cx="1206222" cy="803787"/>
           </a:xfrm>
           <a:prstGeom prst="rect">
             <a:avLst/>
           </a:prstGeom>
+          <a:solidFill>
+            <a:schemeClr val="accent6"/>
+          </a:solidFill>
         </p:spPr>
         <p:style>
           <a:lnRef idx="2">
-            <a:schemeClr val="accent4">
+            <a:schemeClr val="accent1">
               <a:shade val="50000"/>
             </a:schemeClr>
           </a:lnRef>
           <a:fillRef idx="1">
-            <a:schemeClr val="accent4"/>
+            <a:schemeClr val="accent1"/>
           </a:fillRef>
           <a:effectRef idx="0">
-            <a:schemeClr val="accent4"/>
+            <a:schemeClr val="accent1"/>
           </a:effectRef>
           <a:fontRef idx="minor">
             <a:schemeClr val="lt1"/>
@@ -4091,32 +4620,29 @@
           <a:p>
             <a:pPr algn="ctr"/>
             <a:r>
-              <a:rPr lang="en-GB" sz="1200" dirty="0" smtClean="0"/>
-              <a:t>Servos</a:t>
-            </a:r>
-            <a:endParaRPr lang="en-GB" sz="1200" dirty="0"/>
+              <a:rPr lang="en-GB" dirty="0" smtClean="0"/>
+              <a:t>Pressure Sensor</a:t>
+            </a:r>
+            <a:endParaRPr lang="en-GB" dirty="0" smtClean="0"/>
           </a:p>
         </p:txBody>
       </p:sp>
       <p:cxnSp>
         <p:nvCxnSpPr>
-          <p:cNvPr id="63" name="Straight Arrow Connector 62"/>
+          <p:cNvPr id="45" name="Straight Connector 44"/>
           <p:cNvCxnSpPr>
-            <a:endCxn id="62" idx="1"/>
+            <a:endCxn id="44" idx="0"/>
           </p:cNvCxnSpPr>
           <p:nvPr/>
         </p:nvCxnSpPr>
         <p:spPr>
           <a:xfrm>
-            <a:off x="3796447" y="2617002"/>
-            <a:ext cx="405393" cy="156301"/>
-          </a:xfrm>
-          <a:prstGeom prst="straightConnector1">
+            <a:off x="9108281" y="1673752"/>
+            <a:ext cx="1611453" cy="1138273"/>
+          </a:xfrm>
+          <a:prstGeom prst="line">
             <a:avLst/>
           </a:prstGeom>
-          <a:ln w="57150">
-            <a:tailEnd type="triangle"/>
-          </a:ln>
         </p:spPr>
         <p:style>
           <a:lnRef idx="1">
@@ -4136,7 +4662,7 @@
     </p:spTree>
     <p:extLst>
       <p:ext uri="{BB962C8B-B14F-4D97-AF65-F5344CB8AC3E}">
-        <p14:creationId xmlns:p14="http://schemas.microsoft.com/office/powerpoint/2010/main" val="3725738279"/>
+        <p14:creationId xmlns:p14="http://schemas.microsoft.com/office/powerpoint/2010/main" val="1469094562"/>
       </p:ext>
     </p:extLst>
   </p:cSld>
